--- a/wps/word/10选择与选择性粘贴/选择与选择性粘贴.pptx
+++ b/wps/word/10选择与选择性粘贴/选择与选择性粘贴.pptx
@@ -3106,7 +3106,11 @@
             <a:pPr algn="l"/>
             <a:r>
               <a:rPr lang="zh-CN" altLang="en-US"/>
-              <a:t>1．在标题“波斯坦”下方，显示名为"会议图片”的隐藏图片。</a:t>
+              <a:t>1．在标题“波茨</a:t>
+            </a:r>
+            <a:r>
+              <a:rPr lang="zh-CN" altLang="en-US"/>
+              <a:t>坦”下方，显示名为"会议图片”的隐藏图片。</a:t>
             </a:r>
             <a:endParaRPr lang="zh-CN" altLang="en-US"/>
           </a:p>
